--- a/docs/Slide.pptx
+++ b/docs/Slide.pptx
@@ -309,7 +309,7 @@
           <a:p>
             <a:fld id="{7DA1915A-F54C-4C92-BDA9-C95C5B0BEE83}" type="datetimeFigureOut">
               <a:rPr lang="en-US" smtClean="0"/>
-              <a:t>12/21/2019</a:t>
+              <a:t>12/22/2019</a:t>
             </a:fld>
             <a:endParaRPr lang="en-US"/>
           </a:p>
@@ -745,7 +745,7 @@
           <a:p>
             <a:fld id="{7DA1915A-F54C-4C92-BDA9-C95C5B0BEE83}" type="datetimeFigureOut">
               <a:rPr lang="en-US" smtClean="0"/>
-              <a:t>12/21/2019</a:t>
+              <a:t>12/22/2019</a:t>
             </a:fld>
             <a:endParaRPr lang="en-US"/>
           </a:p>
@@ -995,7 +995,7 @@
           <a:p>
             <a:fld id="{7DA1915A-F54C-4C92-BDA9-C95C5B0BEE83}" type="datetimeFigureOut">
               <a:rPr lang="en-US" smtClean="0"/>
-              <a:t>12/21/2019</a:t>
+              <a:t>12/22/2019</a:t>
             </a:fld>
             <a:endParaRPr lang="en-US"/>
           </a:p>
@@ -1303,7 +1303,7 @@
           <a:p>
             <a:fld id="{7DA1915A-F54C-4C92-BDA9-C95C5B0BEE83}" type="datetimeFigureOut">
               <a:rPr lang="en-US" smtClean="0"/>
-              <a:t>12/21/2019</a:t>
+              <a:t>12/22/2019</a:t>
             </a:fld>
             <a:endParaRPr lang="en-US"/>
           </a:p>
@@ -1621,7 +1621,7 @@
           <a:p>
             <a:fld id="{7DA1915A-F54C-4C92-BDA9-C95C5B0BEE83}" type="datetimeFigureOut">
               <a:rPr lang="en-US" smtClean="0"/>
-              <a:t>12/21/2019</a:t>
+              <a:t>12/22/2019</a:t>
             </a:fld>
             <a:endParaRPr lang="en-US"/>
           </a:p>
@@ -1923,7 +1923,7 @@
           <a:p>
             <a:fld id="{7DA1915A-F54C-4C92-BDA9-C95C5B0BEE83}" type="datetimeFigureOut">
               <a:rPr lang="en-US" smtClean="0"/>
-              <a:t>12/21/2019</a:t>
+              <a:t>12/22/2019</a:t>
             </a:fld>
             <a:endParaRPr lang="en-US"/>
           </a:p>
@@ -2290,7 +2290,7 @@
           <a:p>
             <a:fld id="{7DA1915A-F54C-4C92-BDA9-C95C5B0BEE83}" type="datetimeFigureOut">
               <a:rPr lang="en-US" smtClean="0"/>
-              <a:t>12/21/2019</a:t>
+              <a:t>12/22/2019</a:t>
             </a:fld>
             <a:endParaRPr lang="en-US"/>
           </a:p>
@@ -2464,7 +2464,7 @@
           <a:p>
             <a:fld id="{7DA1915A-F54C-4C92-BDA9-C95C5B0BEE83}" type="datetimeFigureOut">
               <a:rPr lang="en-US" smtClean="0"/>
-              <a:t>12/21/2019</a:t>
+              <a:t>12/22/2019</a:t>
             </a:fld>
             <a:endParaRPr lang="en-US"/>
           </a:p>
@@ -2644,7 +2644,7 @@
           <a:p>
             <a:fld id="{7DA1915A-F54C-4C92-BDA9-C95C5B0BEE83}" type="datetimeFigureOut">
               <a:rPr lang="en-US" smtClean="0"/>
-              <a:t>12/21/2019</a:t>
+              <a:t>12/22/2019</a:t>
             </a:fld>
             <a:endParaRPr lang="en-US"/>
           </a:p>
@@ -3063,7 +3063,7 @@
           <a:p>
             <a:fld id="{7DA1915A-F54C-4C92-BDA9-C95C5B0BEE83}" type="datetimeFigureOut">
               <a:rPr lang="en-US" smtClean="0"/>
-              <a:t>12/21/2019</a:t>
+              <a:t>12/22/2019</a:t>
             </a:fld>
             <a:endParaRPr lang="en-US"/>
           </a:p>
@@ -3313,7 +3313,7 @@
           <a:p>
             <a:fld id="{7DA1915A-F54C-4C92-BDA9-C95C5B0BEE83}" type="datetimeFigureOut">
               <a:rPr lang="en-US" smtClean="0"/>
-              <a:t>12/21/2019</a:t>
+              <a:t>12/22/2019</a:t>
             </a:fld>
             <a:endParaRPr lang="en-US"/>
           </a:p>
@@ -3549,7 +3549,7 @@
           <a:p>
             <a:fld id="{7DA1915A-F54C-4C92-BDA9-C95C5B0BEE83}" type="datetimeFigureOut">
               <a:rPr lang="en-US" smtClean="0"/>
-              <a:t>12/21/2019</a:t>
+              <a:t>12/22/2019</a:t>
             </a:fld>
             <a:endParaRPr lang="en-US"/>
           </a:p>
@@ -3931,7 +3931,7 @@
           <a:p>
             <a:fld id="{7DA1915A-F54C-4C92-BDA9-C95C5B0BEE83}" type="datetimeFigureOut">
               <a:rPr lang="en-US" smtClean="0"/>
-              <a:t>12/21/2019</a:t>
+              <a:t>12/22/2019</a:t>
             </a:fld>
             <a:endParaRPr lang="en-US"/>
           </a:p>
@@ -4049,7 +4049,7 @@
           <a:p>
             <a:fld id="{7DA1915A-F54C-4C92-BDA9-C95C5B0BEE83}" type="datetimeFigureOut">
               <a:rPr lang="en-US" smtClean="0"/>
-              <a:t>12/21/2019</a:t>
+              <a:t>12/22/2019</a:t>
             </a:fld>
             <a:endParaRPr lang="en-US"/>
           </a:p>
@@ -4144,7 +4144,7 @@
           <a:p>
             <a:fld id="{7DA1915A-F54C-4C92-BDA9-C95C5B0BEE83}" type="datetimeFigureOut">
               <a:rPr lang="en-US" smtClean="0"/>
-              <a:t>12/21/2019</a:t>
+              <a:t>12/22/2019</a:t>
             </a:fld>
             <a:endParaRPr lang="en-US"/>
           </a:p>
@@ -4399,7 +4399,7 @@
           <a:p>
             <a:fld id="{7DA1915A-F54C-4C92-BDA9-C95C5B0BEE83}" type="datetimeFigureOut">
               <a:rPr lang="en-US" smtClean="0"/>
-              <a:t>12/21/2019</a:t>
+              <a:t>12/22/2019</a:t>
             </a:fld>
             <a:endParaRPr lang="en-US"/>
           </a:p>
@@ -4682,7 +4682,7 @@
           <a:p>
             <a:fld id="{7DA1915A-F54C-4C92-BDA9-C95C5B0BEE83}" type="datetimeFigureOut">
               <a:rPr lang="en-US" smtClean="0"/>
-              <a:t>12/21/2019</a:t>
+              <a:t>12/22/2019</a:t>
             </a:fld>
             <a:endParaRPr lang="en-US"/>
           </a:p>
@@ -5088,7 +5088,7 @@
           <a:p>
             <a:fld id="{7DA1915A-F54C-4C92-BDA9-C95C5B0BEE83}" type="datetimeFigureOut">
               <a:rPr lang="en-US" smtClean="0"/>
-              <a:t>12/21/2019</a:t>
+              <a:t>12/22/2019</a:t>
             </a:fld>
             <a:endParaRPr lang="en-US"/>
           </a:p>
@@ -9770,7 +9770,7 @@
         </p:nvSpPr>
         <p:spPr>
           <a:xfrm>
-            <a:off x="516835" y="694828"/>
+            <a:off x="516836" y="357371"/>
             <a:ext cx="3474719" cy="461665"/>
           </a:xfrm>
           <a:prstGeom prst="rect">
@@ -9848,7 +9848,7 @@
         </p:nvSpPr>
         <p:spPr>
           <a:xfrm>
-            <a:off x="516836" y="1224045"/>
+            <a:off x="516836" y="850206"/>
             <a:ext cx="4484534" cy="400110"/>
           </a:xfrm>
           <a:prstGeom prst="rect">
@@ -9968,7 +9968,7 @@
         </p:nvSpPr>
         <p:spPr>
           <a:xfrm>
-            <a:off x="516836" y="1224045"/>
+            <a:off x="516836" y="1342855"/>
             <a:ext cx="11147728" cy="400110"/>
           </a:xfrm>
           <a:prstGeom prst="rect">
@@ -9987,84 +9987,7 @@
                 <a:latin typeface="Verdana" panose="020B0604030504040204" pitchFamily="34" charset="0"/>
                 <a:ea typeface="Verdana" panose="020B0604030504040204" pitchFamily="34" charset="0"/>
               </a:rPr>
-              <a:t>- </a:t>
-            </a:r>
-            <a:r>
-              <a:rPr lang="en-US" sz="2000" dirty="0" err="1" smtClean="0">
-                <a:latin typeface="Verdana" panose="020B0604030504040204" pitchFamily="34" charset="0"/>
-                <a:ea typeface="Verdana" panose="020B0604030504040204" pitchFamily="34" charset="0"/>
-              </a:rPr>
-              <a:t>Xem</a:t>
-            </a:r>
-            <a:r>
-              <a:rPr lang="en-US" sz="2000" dirty="0" smtClean="0">
-                <a:latin typeface="Verdana" panose="020B0604030504040204" pitchFamily="34" charset="0"/>
-                <a:ea typeface="Verdana" panose="020B0604030504040204" pitchFamily="34" charset="0"/>
-              </a:rPr>
-              <a:t> </a:t>
-            </a:r>
-            <a:r>
-              <a:rPr lang="en-US" sz="2000" dirty="0" err="1" smtClean="0">
-                <a:latin typeface="Verdana" panose="020B0604030504040204" pitchFamily="34" charset="0"/>
-                <a:ea typeface="Verdana" panose="020B0604030504040204" pitchFamily="34" charset="0"/>
-              </a:rPr>
-              <a:t>danh</a:t>
-            </a:r>
-            <a:r>
-              <a:rPr lang="en-US" sz="2000" dirty="0" smtClean="0">
-                <a:latin typeface="Verdana" panose="020B0604030504040204" pitchFamily="34" charset="0"/>
-                <a:ea typeface="Verdana" panose="020B0604030504040204" pitchFamily="34" charset="0"/>
-              </a:rPr>
-              <a:t> </a:t>
-            </a:r>
-            <a:r>
-              <a:rPr lang="en-US" sz="2000" dirty="0" err="1" smtClean="0">
-                <a:latin typeface="Verdana" panose="020B0604030504040204" pitchFamily="34" charset="0"/>
-                <a:ea typeface="Verdana" panose="020B0604030504040204" pitchFamily="34" charset="0"/>
-              </a:rPr>
-              <a:t>mục</a:t>
-            </a:r>
-            <a:r>
-              <a:rPr lang="en-US" sz="2000" dirty="0" smtClean="0">
-                <a:latin typeface="Verdana" panose="020B0604030504040204" pitchFamily="34" charset="0"/>
-                <a:ea typeface="Verdana" panose="020B0604030504040204" pitchFamily="34" charset="0"/>
-              </a:rPr>
-              <a:t> </a:t>
-            </a:r>
-            <a:r>
-              <a:rPr lang="en-US" sz="2000" dirty="0" err="1" smtClean="0">
-                <a:latin typeface="Verdana" panose="020B0604030504040204" pitchFamily="34" charset="0"/>
-                <a:ea typeface="Verdana" panose="020B0604030504040204" pitchFamily="34" charset="0"/>
-              </a:rPr>
-              <a:t>các</a:t>
-            </a:r>
-            <a:r>
-              <a:rPr lang="en-US" sz="2000" dirty="0" smtClean="0">
-                <a:latin typeface="Verdana" panose="020B0604030504040204" pitchFamily="34" charset="0"/>
-                <a:ea typeface="Verdana" panose="020B0604030504040204" pitchFamily="34" charset="0"/>
-              </a:rPr>
-              <a:t> </a:t>
-            </a:r>
-            <a:r>
-              <a:rPr lang="en-US" sz="2000" dirty="0" err="1" smtClean="0">
-                <a:latin typeface="Verdana" panose="020B0604030504040204" pitchFamily="34" charset="0"/>
-                <a:ea typeface="Verdana" panose="020B0604030504040204" pitchFamily="34" charset="0"/>
-              </a:rPr>
-              <a:t>sản</a:t>
-            </a:r>
-            <a:r>
-              <a:rPr lang="en-US" sz="2000" dirty="0" smtClean="0">
-                <a:latin typeface="Verdana" panose="020B0604030504040204" pitchFamily="34" charset="0"/>
-                <a:ea typeface="Verdana" panose="020B0604030504040204" pitchFamily="34" charset="0"/>
-              </a:rPr>
-              <a:t> </a:t>
-            </a:r>
-            <a:r>
-              <a:rPr lang="en-US" sz="2000" dirty="0" err="1" smtClean="0">
-                <a:latin typeface="Verdana" panose="020B0604030504040204" pitchFamily="34" charset="0"/>
-                <a:ea typeface="Verdana" panose="020B0604030504040204" pitchFamily="34" charset="0"/>
-              </a:rPr>
-              <a:t>phẩm</a:t>
+              <a:t>- Đặt hàng</a:t>
             </a:r>
             <a:endParaRPr lang="en-US" sz="2000" dirty="0">
               <a:latin typeface="Verdana" panose="020B0604030504040204" pitchFamily="34" charset="0"/>
@@ -10129,7 +10052,7 @@
         </p:nvSpPr>
         <p:spPr>
           <a:xfrm>
-            <a:off x="516836" y="1224045"/>
+            <a:off x="6087126" y="1514327"/>
             <a:ext cx="1651414" cy="400110"/>
           </a:xfrm>
           <a:prstGeom prst="rect">
@@ -10263,7 +10186,7 @@
         </p:nvSpPr>
         <p:spPr>
           <a:xfrm>
-            <a:off x="516836" y="1224045"/>
+            <a:off x="6087126" y="974750"/>
             <a:ext cx="3716595" cy="400110"/>
           </a:xfrm>
           <a:prstGeom prst="rect">

--- a/docs/Slide.pptx
+++ b/docs/Slide.pptx
@@ -309,7 +309,7 @@
           <a:p>
             <a:fld id="{7DA1915A-F54C-4C92-BDA9-C95C5B0BEE83}" type="datetimeFigureOut">
               <a:rPr lang="en-US" smtClean="0"/>
-              <a:t>12/22/2019</a:t>
+              <a:t>12/21/2019</a:t>
             </a:fld>
             <a:endParaRPr lang="en-US"/>
           </a:p>
@@ -745,7 +745,7 @@
           <a:p>
             <a:fld id="{7DA1915A-F54C-4C92-BDA9-C95C5B0BEE83}" type="datetimeFigureOut">
               <a:rPr lang="en-US" smtClean="0"/>
-              <a:t>12/22/2019</a:t>
+              <a:t>12/21/2019</a:t>
             </a:fld>
             <a:endParaRPr lang="en-US"/>
           </a:p>
@@ -995,7 +995,7 @@
           <a:p>
             <a:fld id="{7DA1915A-F54C-4C92-BDA9-C95C5B0BEE83}" type="datetimeFigureOut">
               <a:rPr lang="en-US" smtClean="0"/>
-              <a:t>12/22/2019</a:t>
+              <a:t>12/21/2019</a:t>
             </a:fld>
             <a:endParaRPr lang="en-US"/>
           </a:p>
@@ -1303,7 +1303,7 @@
           <a:p>
             <a:fld id="{7DA1915A-F54C-4C92-BDA9-C95C5B0BEE83}" type="datetimeFigureOut">
               <a:rPr lang="en-US" smtClean="0"/>
-              <a:t>12/22/2019</a:t>
+              <a:t>12/21/2019</a:t>
             </a:fld>
             <a:endParaRPr lang="en-US"/>
           </a:p>
@@ -1621,7 +1621,7 @@
           <a:p>
             <a:fld id="{7DA1915A-F54C-4C92-BDA9-C95C5B0BEE83}" type="datetimeFigureOut">
               <a:rPr lang="en-US" smtClean="0"/>
-              <a:t>12/22/2019</a:t>
+              <a:t>12/21/2019</a:t>
             </a:fld>
             <a:endParaRPr lang="en-US"/>
           </a:p>
@@ -1923,7 +1923,7 @@
           <a:p>
             <a:fld id="{7DA1915A-F54C-4C92-BDA9-C95C5B0BEE83}" type="datetimeFigureOut">
               <a:rPr lang="en-US" smtClean="0"/>
-              <a:t>12/22/2019</a:t>
+              <a:t>12/21/2019</a:t>
             </a:fld>
             <a:endParaRPr lang="en-US"/>
           </a:p>
@@ -2290,7 +2290,7 @@
           <a:p>
             <a:fld id="{7DA1915A-F54C-4C92-BDA9-C95C5B0BEE83}" type="datetimeFigureOut">
               <a:rPr lang="en-US" smtClean="0"/>
-              <a:t>12/22/2019</a:t>
+              <a:t>12/21/2019</a:t>
             </a:fld>
             <a:endParaRPr lang="en-US"/>
           </a:p>
@@ -2464,7 +2464,7 @@
           <a:p>
             <a:fld id="{7DA1915A-F54C-4C92-BDA9-C95C5B0BEE83}" type="datetimeFigureOut">
               <a:rPr lang="en-US" smtClean="0"/>
-              <a:t>12/22/2019</a:t>
+              <a:t>12/21/2019</a:t>
             </a:fld>
             <a:endParaRPr lang="en-US"/>
           </a:p>
@@ -2644,7 +2644,7 @@
           <a:p>
             <a:fld id="{7DA1915A-F54C-4C92-BDA9-C95C5B0BEE83}" type="datetimeFigureOut">
               <a:rPr lang="en-US" smtClean="0"/>
-              <a:t>12/22/2019</a:t>
+              <a:t>12/21/2019</a:t>
             </a:fld>
             <a:endParaRPr lang="en-US"/>
           </a:p>
@@ -3063,7 +3063,7 @@
           <a:p>
             <a:fld id="{7DA1915A-F54C-4C92-BDA9-C95C5B0BEE83}" type="datetimeFigureOut">
               <a:rPr lang="en-US" smtClean="0"/>
-              <a:t>12/22/2019</a:t>
+              <a:t>12/21/2019</a:t>
             </a:fld>
             <a:endParaRPr lang="en-US"/>
           </a:p>
@@ -3313,7 +3313,7 @@
           <a:p>
             <a:fld id="{7DA1915A-F54C-4C92-BDA9-C95C5B0BEE83}" type="datetimeFigureOut">
               <a:rPr lang="en-US" smtClean="0"/>
-              <a:t>12/22/2019</a:t>
+              <a:t>12/21/2019</a:t>
             </a:fld>
             <a:endParaRPr lang="en-US"/>
           </a:p>
@@ -3549,7 +3549,7 @@
           <a:p>
             <a:fld id="{7DA1915A-F54C-4C92-BDA9-C95C5B0BEE83}" type="datetimeFigureOut">
               <a:rPr lang="en-US" smtClean="0"/>
-              <a:t>12/22/2019</a:t>
+              <a:t>12/21/2019</a:t>
             </a:fld>
             <a:endParaRPr lang="en-US"/>
           </a:p>
@@ -3931,7 +3931,7 @@
           <a:p>
             <a:fld id="{7DA1915A-F54C-4C92-BDA9-C95C5B0BEE83}" type="datetimeFigureOut">
               <a:rPr lang="en-US" smtClean="0"/>
-              <a:t>12/22/2019</a:t>
+              <a:t>12/21/2019</a:t>
             </a:fld>
             <a:endParaRPr lang="en-US"/>
           </a:p>
@@ -4049,7 +4049,7 @@
           <a:p>
             <a:fld id="{7DA1915A-F54C-4C92-BDA9-C95C5B0BEE83}" type="datetimeFigureOut">
               <a:rPr lang="en-US" smtClean="0"/>
-              <a:t>12/22/2019</a:t>
+              <a:t>12/21/2019</a:t>
             </a:fld>
             <a:endParaRPr lang="en-US"/>
           </a:p>
@@ -4144,7 +4144,7 @@
           <a:p>
             <a:fld id="{7DA1915A-F54C-4C92-BDA9-C95C5B0BEE83}" type="datetimeFigureOut">
               <a:rPr lang="en-US" smtClean="0"/>
-              <a:t>12/22/2019</a:t>
+              <a:t>12/21/2019</a:t>
             </a:fld>
             <a:endParaRPr lang="en-US"/>
           </a:p>
@@ -4399,7 +4399,7 @@
           <a:p>
             <a:fld id="{7DA1915A-F54C-4C92-BDA9-C95C5B0BEE83}" type="datetimeFigureOut">
               <a:rPr lang="en-US" smtClean="0"/>
-              <a:t>12/22/2019</a:t>
+              <a:t>12/21/2019</a:t>
             </a:fld>
             <a:endParaRPr lang="en-US"/>
           </a:p>
@@ -4682,7 +4682,7 @@
           <a:p>
             <a:fld id="{7DA1915A-F54C-4C92-BDA9-C95C5B0BEE83}" type="datetimeFigureOut">
               <a:rPr lang="en-US" smtClean="0"/>
-              <a:t>12/22/2019</a:t>
+              <a:t>12/21/2019</a:t>
             </a:fld>
             <a:endParaRPr lang="en-US"/>
           </a:p>
@@ -5088,7 +5088,7 @@
           <a:p>
             <a:fld id="{7DA1915A-F54C-4C92-BDA9-C95C5B0BEE83}" type="datetimeFigureOut">
               <a:rPr lang="en-US" smtClean="0"/>
-              <a:t>12/22/2019</a:t>
+              <a:t>12/21/2019</a:t>
             </a:fld>
             <a:endParaRPr lang="en-US"/>
           </a:p>
@@ -9770,7 +9770,7 @@
         </p:nvSpPr>
         <p:spPr>
           <a:xfrm>
-            <a:off x="516836" y="357371"/>
+            <a:off x="516835" y="694828"/>
             <a:ext cx="3474719" cy="461665"/>
           </a:xfrm>
           <a:prstGeom prst="rect">
@@ -9848,7 +9848,7 @@
         </p:nvSpPr>
         <p:spPr>
           <a:xfrm>
-            <a:off x="516836" y="850206"/>
+            <a:off x="516836" y="1224045"/>
             <a:ext cx="4484534" cy="400110"/>
           </a:xfrm>
           <a:prstGeom prst="rect">
@@ -9968,7 +9968,7 @@
         </p:nvSpPr>
         <p:spPr>
           <a:xfrm>
-            <a:off x="516836" y="1342855"/>
+            <a:off x="516836" y="1224045"/>
             <a:ext cx="11147728" cy="400110"/>
           </a:xfrm>
           <a:prstGeom prst="rect">
@@ -9987,7 +9987,84 @@
                 <a:latin typeface="Verdana" panose="020B0604030504040204" pitchFamily="34" charset="0"/>
                 <a:ea typeface="Verdana" panose="020B0604030504040204" pitchFamily="34" charset="0"/>
               </a:rPr>
-              <a:t>- Đặt hàng</a:t>
+              <a:t>- </a:t>
+            </a:r>
+            <a:r>
+              <a:rPr lang="en-US" sz="2000" dirty="0" err="1" smtClean="0">
+                <a:latin typeface="Verdana" panose="020B0604030504040204" pitchFamily="34" charset="0"/>
+                <a:ea typeface="Verdana" panose="020B0604030504040204" pitchFamily="34" charset="0"/>
+              </a:rPr>
+              <a:t>Xem</a:t>
+            </a:r>
+            <a:r>
+              <a:rPr lang="en-US" sz="2000" dirty="0" smtClean="0">
+                <a:latin typeface="Verdana" panose="020B0604030504040204" pitchFamily="34" charset="0"/>
+                <a:ea typeface="Verdana" panose="020B0604030504040204" pitchFamily="34" charset="0"/>
+              </a:rPr>
+              <a:t> </a:t>
+            </a:r>
+            <a:r>
+              <a:rPr lang="en-US" sz="2000" dirty="0" err="1" smtClean="0">
+                <a:latin typeface="Verdana" panose="020B0604030504040204" pitchFamily="34" charset="0"/>
+                <a:ea typeface="Verdana" panose="020B0604030504040204" pitchFamily="34" charset="0"/>
+              </a:rPr>
+              <a:t>danh</a:t>
+            </a:r>
+            <a:r>
+              <a:rPr lang="en-US" sz="2000" dirty="0" smtClean="0">
+                <a:latin typeface="Verdana" panose="020B0604030504040204" pitchFamily="34" charset="0"/>
+                <a:ea typeface="Verdana" panose="020B0604030504040204" pitchFamily="34" charset="0"/>
+              </a:rPr>
+              <a:t> </a:t>
+            </a:r>
+            <a:r>
+              <a:rPr lang="en-US" sz="2000" dirty="0" err="1" smtClean="0">
+                <a:latin typeface="Verdana" panose="020B0604030504040204" pitchFamily="34" charset="0"/>
+                <a:ea typeface="Verdana" panose="020B0604030504040204" pitchFamily="34" charset="0"/>
+              </a:rPr>
+              <a:t>mục</a:t>
+            </a:r>
+            <a:r>
+              <a:rPr lang="en-US" sz="2000" dirty="0" smtClean="0">
+                <a:latin typeface="Verdana" panose="020B0604030504040204" pitchFamily="34" charset="0"/>
+                <a:ea typeface="Verdana" panose="020B0604030504040204" pitchFamily="34" charset="0"/>
+              </a:rPr>
+              <a:t> </a:t>
+            </a:r>
+            <a:r>
+              <a:rPr lang="en-US" sz="2000" dirty="0" err="1" smtClean="0">
+                <a:latin typeface="Verdana" panose="020B0604030504040204" pitchFamily="34" charset="0"/>
+                <a:ea typeface="Verdana" panose="020B0604030504040204" pitchFamily="34" charset="0"/>
+              </a:rPr>
+              <a:t>các</a:t>
+            </a:r>
+            <a:r>
+              <a:rPr lang="en-US" sz="2000" dirty="0" smtClean="0">
+                <a:latin typeface="Verdana" panose="020B0604030504040204" pitchFamily="34" charset="0"/>
+                <a:ea typeface="Verdana" panose="020B0604030504040204" pitchFamily="34" charset="0"/>
+              </a:rPr>
+              <a:t> </a:t>
+            </a:r>
+            <a:r>
+              <a:rPr lang="en-US" sz="2000" dirty="0" err="1" smtClean="0">
+                <a:latin typeface="Verdana" panose="020B0604030504040204" pitchFamily="34" charset="0"/>
+                <a:ea typeface="Verdana" panose="020B0604030504040204" pitchFamily="34" charset="0"/>
+              </a:rPr>
+              <a:t>sản</a:t>
+            </a:r>
+            <a:r>
+              <a:rPr lang="en-US" sz="2000" dirty="0" smtClean="0">
+                <a:latin typeface="Verdana" panose="020B0604030504040204" pitchFamily="34" charset="0"/>
+                <a:ea typeface="Verdana" panose="020B0604030504040204" pitchFamily="34" charset="0"/>
+              </a:rPr>
+              <a:t> </a:t>
+            </a:r>
+            <a:r>
+              <a:rPr lang="en-US" sz="2000" dirty="0" err="1" smtClean="0">
+                <a:latin typeface="Verdana" panose="020B0604030504040204" pitchFamily="34" charset="0"/>
+                <a:ea typeface="Verdana" panose="020B0604030504040204" pitchFamily="34" charset="0"/>
+              </a:rPr>
+              <a:t>phẩm</a:t>
             </a:r>
             <a:endParaRPr lang="en-US" sz="2000" dirty="0">
               <a:latin typeface="Verdana" panose="020B0604030504040204" pitchFamily="34" charset="0"/>
@@ -10052,7 +10129,7 @@
         </p:nvSpPr>
         <p:spPr>
           <a:xfrm>
-            <a:off x="6087126" y="1514327"/>
+            <a:off x="516836" y="1224045"/>
             <a:ext cx="1651414" cy="400110"/>
           </a:xfrm>
           <a:prstGeom prst="rect">
@@ -10186,7 +10263,7 @@
         </p:nvSpPr>
         <p:spPr>
           <a:xfrm>
-            <a:off x="6087126" y="974750"/>
+            <a:off x="516836" y="1224045"/>
             <a:ext cx="3716595" cy="400110"/>
           </a:xfrm>
           <a:prstGeom prst="rect">
